--- a/devops.pptx
+++ b/devops.pptx
@@ -335,7 +335,7 @@
           <a:p>
             <a:fld id="{27AB7D39-04AC-854A-8CEB-29D769EC703F}" type="datetimeFigureOut">
               <a:rPr lang="ru-RU" smtClean="0"/>
-              <a:t>29.10.2021</a:t>
+              <a:t>02.11.2021</a:t>
             </a:fld>
             <a:endParaRPr lang="ru-RU"/>
           </a:p>
@@ -36130,231 +36130,6 @@
           </a:fontRef>
         </p:style>
       </p:cxnSp>
-      <p:sp>
-        <p:nvSpPr>
-          <p:cNvPr id="70" name="Прямоугольник 69">
-            <a:extLst>
-              <a:ext uri="{FF2B5EF4-FFF2-40B4-BE49-F238E27FC236}">
-                <a16:creationId xmlns:a16="http://schemas.microsoft.com/office/drawing/2014/main" id="{797A61C7-45C2-5D4E-A99B-643E473C1ACC}"/>
-              </a:ext>
-            </a:extLst>
-          </p:cNvPr>
-          <p:cNvSpPr/>
-          <p:nvPr/>
-        </p:nvSpPr>
-        <p:spPr>
-          <a:xfrm>
-            <a:off x="1506909" y="6355040"/>
-            <a:ext cx="9919693" cy="307777"/>
-          </a:xfrm>
-          <a:prstGeom prst="rect">
-            <a:avLst/>
-          </a:prstGeom>
-        </p:spPr>
-        <p:txBody>
-          <a:bodyPr wrap="square">
-            <a:spAutoFit/>
-          </a:bodyPr>
-          <a:lstStyle/>
-          <a:p>
-            <a:r>
-              <a:rPr lang="ru-RU" sz="1400" dirty="0" err="1">
-                <a:solidFill>
-                  <a:srgbClr val="FFE0FB"/>
-                </a:solidFill>
-                <a:latin typeface="Helvetica" pitchFamily="2" charset="0"/>
-              </a:rPr>
-              <a:t>https</a:t>
-            </a:r>
-            <a:r>
-              <a:rPr lang="ru-RU" sz="1400" dirty="0">
-                <a:solidFill>
-                  <a:srgbClr val="FFE0FB"/>
-                </a:solidFill>
-                <a:latin typeface="Helvetica" pitchFamily="2" charset="0"/>
-              </a:rPr>
-              <a:t>://</a:t>
-            </a:r>
-            <a:r>
-              <a:rPr lang="ru-RU" sz="1400" dirty="0" err="1">
-                <a:solidFill>
-                  <a:srgbClr val="FFE0FB"/>
-                </a:solidFill>
-                <a:latin typeface="Helvetica" pitchFamily="2" charset="0"/>
-              </a:rPr>
-              <a:t>sbtatlas.sigma.sbrf.ru</a:t>
-            </a:r>
-            <a:r>
-              <a:rPr lang="ru-RU" sz="1400" dirty="0">
-                <a:solidFill>
-                  <a:srgbClr val="FFE0FB"/>
-                </a:solidFill>
-                <a:latin typeface="Helvetica" pitchFamily="2" charset="0"/>
-              </a:rPr>
-              <a:t>/</a:t>
-            </a:r>
-            <a:r>
-              <a:rPr lang="ru-RU" sz="1400" dirty="0" err="1">
-                <a:solidFill>
-                  <a:srgbClr val="FFE0FB"/>
-                </a:solidFill>
-                <a:latin typeface="Helvetica" pitchFamily="2" charset="0"/>
-              </a:rPr>
-              <a:t>stash</a:t>
-            </a:r>
-            <a:r>
-              <a:rPr lang="ru-RU" sz="1400" dirty="0">
-                <a:solidFill>
-                  <a:srgbClr val="FFE0FB"/>
-                </a:solidFill>
-                <a:latin typeface="Helvetica" pitchFamily="2" charset="0"/>
-              </a:rPr>
-              <a:t>/</a:t>
-            </a:r>
-            <a:r>
-              <a:rPr lang="ru-RU" sz="1400" dirty="0" err="1">
-                <a:solidFill>
-                  <a:srgbClr val="FFE0FB"/>
-                </a:solidFill>
-                <a:latin typeface="Helvetica" pitchFamily="2" charset="0"/>
-              </a:rPr>
-              <a:t>projects</a:t>
-            </a:r>
-            <a:r>
-              <a:rPr lang="ru-RU" sz="1400" dirty="0">
-                <a:solidFill>
-                  <a:srgbClr val="FFE0FB"/>
-                </a:solidFill>
-                <a:latin typeface="Helvetica" pitchFamily="2" charset="0"/>
-              </a:rPr>
-              <a:t>/SBERBANKBOT/</a:t>
-            </a:r>
-            <a:r>
-              <a:rPr lang="ru-RU" sz="1400" dirty="0" err="1">
-                <a:solidFill>
-                  <a:srgbClr val="FFE0FB"/>
-                </a:solidFill>
-                <a:latin typeface="Helvetica" pitchFamily="2" charset="0"/>
-              </a:rPr>
-              <a:t>repos</a:t>
-            </a:r>
-            <a:r>
-              <a:rPr lang="ru-RU" sz="1400" dirty="0">
-                <a:solidFill>
-                  <a:srgbClr val="FFE0FB"/>
-                </a:solidFill>
-                <a:latin typeface="Helvetica" pitchFamily="2" charset="0"/>
-              </a:rPr>
-              <a:t>/</a:t>
-            </a:r>
-            <a:r>
-              <a:rPr lang="ru-RU" sz="1400" dirty="0" err="1">
-                <a:solidFill>
-                  <a:srgbClr val="FFE0FB"/>
-                </a:solidFill>
-                <a:latin typeface="Helvetica" pitchFamily="2" charset="0"/>
-              </a:rPr>
-              <a:t>rb_app</a:t>
-            </a:r>
-            <a:r>
-              <a:rPr lang="ru-RU" sz="1400" dirty="0">
-                <a:solidFill>
-                  <a:srgbClr val="FFE0FB"/>
-                </a:solidFill>
-                <a:latin typeface="Helvetica" pitchFamily="2" charset="0"/>
-              </a:rPr>
-              <a:t>/</a:t>
-            </a:r>
-            <a:r>
-              <a:rPr lang="ru-RU" sz="1400" dirty="0" err="1">
-                <a:solidFill>
-                  <a:srgbClr val="FFE0FB"/>
-                </a:solidFill>
-                <a:latin typeface="Helvetica" pitchFamily="2" charset="0"/>
-              </a:rPr>
-              <a:t>browse</a:t>
-            </a:r>
-            <a:r>
-              <a:rPr lang="ru-RU" sz="1400" dirty="0">
-                <a:solidFill>
-                  <a:srgbClr val="FFE0FB"/>
-                </a:solidFill>
-                <a:latin typeface="Helvetica" pitchFamily="2" charset="0"/>
-              </a:rPr>
-              <a:t>/</a:t>
-            </a:r>
-            <a:r>
-              <a:rPr lang="ru-RU" sz="1400" dirty="0" err="1">
-                <a:solidFill>
-                  <a:srgbClr val="FFE0FB"/>
-                </a:solidFill>
-                <a:latin typeface="Helvetica" pitchFamily="2" charset="0"/>
-              </a:rPr>
-              <a:t>static</a:t>
-            </a:r>
-            <a:r>
-              <a:rPr lang="ru-RU" sz="1400" dirty="0">
-                <a:solidFill>
-                  <a:srgbClr val="FFE0FB"/>
-                </a:solidFill>
-                <a:latin typeface="Helvetica" pitchFamily="2" charset="0"/>
-              </a:rPr>
-              <a:t>/</a:t>
-            </a:r>
-            <a:r>
-              <a:rPr lang="ru-RU" sz="1400" dirty="0" err="1">
-                <a:solidFill>
-                  <a:srgbClr val="FFE0FB"/>
-                </a:solidFill>
-                <a:latin typeface="Helvetica" pitchFamily="2" charset="0"/>
-              </a:rPr>
-              <a:t>references</a:t>
-            </a:r>
-            <a:r>
-              <a:rPr lang="ru-RU" sz="1400" dirty="0">
-                <a:solidFill>
-                  <a:srgbClr val="FFE0FB"/>
-                </a:solidFill>
-                <a:latin typeface="Helvetica" pitchFamily="2" charset="0"/>
-              </a:rPr>
-              <a:t>/</a:t>
-            </a:r>
-            <a:r>
-              <a:rPr lang="ru-RU" sz="1400" dirty="0" err="1">
-                <a:solidFill>
-                  <a:srgbClr val="FFE0FB"/>
-                </a:solidFill>
-                <a:latin typeface="Helvetica" pitchFamily="2" charset="0"/>
-              </a:rPr>
-              <a:t>scenarios</a:t>
-            </a:r>
-            <a:r>
-              <a:rPr lang="ru-RU" sz="1400" dirty="0">
-                <a:solidFill>
-                  <a:srgbClr val="FFE0FB"/>
-                </a:solidFill>
-                <a:latin typeface="Helvetica" pitchFamily="2" charset="0"/>
-              </a:rPr>
-              <a:t>/</a:t>
-            </a:r>
-            <a:r>
-              <a:rPr lang="ru-RU" sz="1400" dirty="0" err="1">
-                <a:solidFill>
-                  <a:srgbClr val="FFE0FB"/>
-                </a:solidFill>
-                <a:latin typeface="Helvetica" pitchFamily="2" charset="0"/>
-              </a:rPr>
-              <a:t>hello.json</a:t>
-            </a:r>
-            <a:endParaRPr lang="ru-RU" sz="1400" dirty="0">
-              <a:solidFill>
-                <a:srgbClr val="FFE0FB"/>
-              </a:solidFill>
-              <a:latin typeface="Helvetica" pitchFamily="2" charset="0"/>
-            </a:endParaRPr>
-          </a:p>
-        </p:txBody>
-      </p:sp>
       <p:pic>
         <p:nvPicPr>
           <p:cNvPr id="3" name="Рисунок 2">
@@ -37549,6 +37324,108 @@
           <a:p>
             <a:pPr algn="ctr"/>
             <a:endParaRPr lang="ru-RU"/>
+          </a:p>
+        </p:txBody>
+      </p:sp>
+      <p:sp>
+        <p:nvSpPr>
+          <p:cNvPr id="45" name="Прямоугольник 44">
+            <a:extLst>
+              <a:ext uri="{FF2B5EF4-FFF2-40B4-BE49-F238E27FC236}">
+                <a16:creationId xmlns:a16="http://schemas.microsoft.com/office/drawing/2014/main" id="{A2D3FD85-744E-C24D-9840-31E3F19114D8}"/>
+              </a:ext>
+            </a:extLst>
+          </p:cNvPr>
+          <p:cNvSpPr/>
+          <p:nvPr/>
+        </p:nvSpPr>
+        <p:spPr>
+          <a:xfrm>
+            <a:off x="1608041" y="6364998"/>
+            <a:ext cx="7220999" cy="307777"/>
+          </a:xfrm>
+          <a:prstGeom prst="rect">
+            <a:avLst/>
+          </a:prstGeom>
+        </p:spPr>
+        <p:txBody>
+          <a:bodyPr wrap="square">
+            <a:spAutoFit/>
+          </a:bodyPr>
+          <a:lstStyle/>
+          <a:p>
+            <a:r>
+              <a:rPr lang="ru-RU" sz="1400" dirty="0">
+                <a:solidFill>
+                  <a:srgbClr val="FFE0FB"/>
+                </a:solidFill>
+                <a:latin typeface="Helvetica" pitchFamily="2" charset="0"/>
+              </a:rPr>
+              <a:t>Литература</a:t>
+            </a:r>
+            <a:r>
+              <a:rPr lang="en-US" sz="1400" dirty="0">
+                <a:solidFill>
+                  <a:srgbClr val="FFE0FB"/>
+                </a:solidFill>
+                <a:latin typeface="Helvetica" pitchFamily="2" charset="0"/>
+              </a:rPr>
+              <a:t>: </a:t>
+            </a:r>
+            <a:r>
+              <a:rPr lang="ru-RU" sz="1400" dirty="0" err="1">
+                <a:solidFill>
+                  <a:srgbClr val="FFE0FB"/>
+                </a:solidFill>
+                <a:latin typeface="Helvetica" pitchFamily="2" charset="0"/>
+              </a:rPr>
+              <a:t>Джиджи</a:t>
+            </a:r>
+            <a:r>
+              <a:rPr lang="ru-RU" sz="1400" dirty="0">
+                <a:solidFill>
+                  <a:srgbClr val="FFE0FB"/>
+                </a:solidFill>
+                <a:latin typeface="Helvetica" pitchFamily="2" charset="0"/>
+              </a:rPr>
+              <a:t> </a:t>
+            </a:r>
+            <a:r>
+              <a:rPr lang="ru-RU" sz="1400" dirty="0" err="1">
+                <a:solidFill>
+                  <a:srgbClr val="FFE0FB"/>
+                </a:solidFill>
+                <a:latin typeface="Helvetica" pitchFamily="2" charset="0"/>
+              </a:rPr>
+              <a:t>Сайфан</a:t>
+            </a:r>
+            <a:r>
+              <a:rPr lang="ru-RU" sz="1400" dirty="0">
+                <a:solidFill>
+                  <a:srgbClr val="FFE0FB"/>
+                </a:solidFill>
+                <a:latin typeface="Helvetica" pitchFamily="2" charset="0"/>
+              </a:rPr>
+              <a:t> Осваиваем </a:t>
+            </a:r>
+            <a:r>
+              <a:rPr lang="en-US" sz="1400" dirty="0">
+                <a:solidFill>
+                  <a:srgbClr val="FFE0FB"/>
+                </a:solidFill>
+                <a:latin typeface="Helvetica" pitchFamily="2" charset="0"/>
+              </a:rPr>
+              <a:t>Kubernetes</a:t>
+            </a:r>
+            <a:r>
+              <a:rPr lang="ru-RU" sz="1400" dirty="0">
+                <a:solidFill>
+                  <a:srgbClr val="FFE0FB"/>
+                </a:solidFill>
+                <a:latin typeface="Helvetica" pitchFamily="2" charset="0"/>
+              </a:rPr>
+              <a:t> </a:t>
+            </a:r>
           </a:p>
         </p:txBody>
       </p:sp>
@@ -39095,7 +38972,7 @@
                 </a:solidFill>
                 <a:latin typeface="Helvetica" pitchFamily="2" charset="0"/>
               </a:rPr>
-              <a:t>:  </a:t>
+              <a:t>: </a:t>
             </a:r>
             <a:r>
               <a:rPr lang="ru-RU" sz="1400" dirty="0" err="1">
@@ -39104,7 +38981,7 @@
                 </a:solidFill>
                 <a:latin typeface="Helvetica" pitchFamily="2" charset="0"/>
               </a:rPr>
-              <a:t>Иан</a:t>
+              <a:t>Джиджи</a:t>
             </a:r>
             <a:r>
               <a:rPr lang="ru-RU" sz="1400" dirty="0">
@@ -39122,7 +38999,16 @@
                 </a:solidFill>
                 <a:latin typeface="Helvetica" pitchFamily="2" charset="0"/>
               </a:rPr>
-              <a:t>МиллЭйдан</a:t>
+              <a:t>Сайфан</a:t>
+            </a:r>
+            <a:r>
+              <a:rPr lang="ru-RU" sz="1400" dirty="0">
+                <a:solidFill>
+                  <a:srgbClr val="FFE0FB"/>
+                </a:solidFill>
+                <a:latin typeface="Helvetica" pitchFamily="2" charset="0"/>
+              </a:rPr>
+              <a:t> Осваиваем </a:t>
             </a:r>
             <a:r>
               <a:rPr lang="en-US" sz="1400" dirty="0">
@@ -39131,7 +39017,7 @@
                 </a:solidFill>
                 <a:latin typeface="Helvetica" pitchFamily="2" charset="0"/>
               </a:rPr>
-              <a:t>,</a:t>
+              <a:t>Kubernetes</a:t>
             </a:r>
             <a:r>
               <a:rPr lang="ru-RU" sz="1400" dirty="0">
@@ -39141,51 +39027,6 @@
                 <a:latin typeface="Helvetica" pitchFamily="2" charset="0"/>
               </a:rPr>
               <a:t> </a:t>
-            </a:r>
-            <a:r>
-              <a:rPr lang="ru-RU" sz="1400" dirty="0" err="1">
-                <a:solidFill>
-                  <a:srgbClr val="FFE0FB"/>
-                </a:solidFill>
-                <a:latin typeface="Helvetica" pitchFamily="2" charset="0"/>
-              </a:rPr>
-              <a:t>Хобсон</a:t>
-            </a:r>
-            <a:r>
-              <a:rPr lang="ru-RU" sz="1400" dirty="0">
-                <a:solidFill>
-                  <a:srgbClr val="FFE0FB"/>
-                </a:solidFill>
-                <a:latin typeface="Helvetica" pitchFamily="2" charset="0"/>
-              </a:rPr>
-              <a:t> </a:t>
-            </a:r>
-            <a:r>
-              <a:rPr lang="ru-RU" sz="1400" dirty="0" err="1">
-                <a:solidFill>
-                  <a:srgbClr val="FFE0FB"/>
-                </a:solidFill>
-                <a:latin typeface="Helvetica" pitchFamily="2" charset="0"/>
-              </a:rPr>
-              <a:t>Сейерс</a:t>
-            </a:r>
-            <a:r>
-              <a:rPr lang="en-US" sz="1400" dirty="0">
-                <a:solidFill>
-                  <a:srgbClr val="FFE0FB"/>
-                </a:solidFill>
-                <a:latin typeface="Helvetica" pitchFamily="2" charset="0"/>
-              </a:rPr>
-              <a:t> Docker </a:t>
-            </a:r>
-            <a:r>
-              <a:rPr lang="ru-RU" sz="1400" dirty="0">
-                <a:solidFill>
-                  <a:srgbClr val="FFE0FB"/>
-                </a:solidFill>
-                <a:latin typeface="Helvetica" pitchFamily="2" charset="0"/>
-              </a:rPr>
-              <a:t>на практике </a:t>
             </a:r>
           </a:p>
         </p:txBody>
